--- a/Examples/Ex12/tests/radial_flow_1el.pptx
+++ b/Examples/Ex12/tests/radial_flow_1el.pptx
@@ -104,6 +104,11 @@
       </a:defRPr>
     </a:lvl9pPr>
   </p:defaultTextStyle>
+  <p:extLst>
+    <p:ext uri="{EFAFB233-063F-42B5-8137-9DF3F51BA10A}">
+      <p15:sldGuideLst xmlns:p15="http://schemas.microsoft.com/office/powerpoint/2012/main"/>
+    </p:ext>
+  </p:extLst>
 </p:presentation>
 </file>
 
@@ -238,7 +243,7 @@
           <a:p>
             <a:fld id="{DFD6F003-9156-4CEF-8C21-852BD1CE6652}" type="datetimeFigureOut">
               <a:rPr lang="es-AR" smtClean="0"/>
-              <a:t>30/12/2020</a:t>
+              <a:t>5/1/2021</a:t>
             </a:fld>
             <a:endParaRPr lang="es-AR"/>
           </a:p>
@@ -408,7 +413,7 @@
           <a:p>
             <a:fld id="{DFD6F003-9156-4CEF-8C21-852BD1CE6652}" type="datetimeFigureOut">
               <a:rPr lang="es-AR" smtClean="0"/>
-              <a:t>30/12/2020</a:t>
+              <a:t>5/1/2021</a:t>
             </a:fld>
             <a:endParaRPr lang="es-AR"/>
           </a:p>
@@ -588,7 +593,7 @@
           <a:p>
             <a:fld id="{DFD6F003-9156-4CEF-8C21-852BD1CE6652}" type="datetimeFigureOut">
               <a:rPr lang="es-AR" smtClean="0"/>
-              <a:t>30/12/2020</a:t>
+              <a:t>5/1/2021</a:t>
             </a:fld>
             <a:endParaRPr lang="es-AR"/>
           </a:p>
@@ -758,7 +763,7 @@
           <a:p>
             <a:fld id="{DFD6F003-9156-4CEF-8C21-852BD1CE6652}" type="datetimeFigureOut">
               <a:rPr lang="es-AR" smtClean="0"/>
-              <a:t>30/12/2020</a:t>
+              <a:t>5/1/2021</a:t>
             </a:fld>
             <a:endParaRPr lang="es-AR"/>
           </a:p>
@@ -1004,7 +1009,7 @@
           <a:p>
             <a:fld id="{DFD6F003-9156-4CEF-8C21-852BD1CE6652}" type="datetimeFigureOut">
               <a:rPr lang="es-AR" smtClean="0"/>
-              <a:t>30/12/2020</a:t>
+              <a:t>5/1/2021</a:t>
             </a:fld>
             <a:endParaRPr lang="es-AR"/>
           </a:p>
@@ -1236,7 +1241,7 @@
           <a:p>
             <a:fld id="{DFD6F003-9156-4CEF-8C21-852BD1CE6652}" type="datetimeFigureOut">
               <a:rPr lang="es-AR" smtClean="0"/>
-              <a:t>30/12/2020</a:t>
+              <a:t>5/1/2021</a:t>
             </a:fld>
             <a:endParaRPr lang="es-AR"/>
           </a:p>
@@ -1603,7 +1608,7 @@
           <a:p>
             <a:fld id="{DFD6F003-9156-4CEF-8C21-852BD1CE6652}" type="datetimeFigureOut">
               <a:rPr lang="es-AR" smtClean="0"/>
-              <a:t>30/12/2020</a:t>
+              <a:t>5/1/2021</a:t>
             </a:fld>
             <a:endParaRPr lang="es-AR"/>
           </a:p>
@@ -1721,7 +1726,7 @@
           <a:p>
             <a:fld id="{DFD6F003-9156-4CEF-8C21-852BD1CE6652}" type="datetimeFigureOut">
               <a:rPr lang="es-AR" smtClean="0"/>
-              <a:t>30/12/2020</a:t>
+              <a:t>5/1/2021</a:t>
             </a:fld>
             <a:endParaRPr lang="es-AR"/>
           </a:p>
@@ -1816,7 +1821,7 @@
           <a:p>
             <a:fld id="{DFD6F003-9156-4CEF-8C21-852BD1CE6652}" type="datetimeFigureOut">
               <a:rPr lang="es-AR" smtClean="0"/>
-              <a:t>30/12/2020</a:t>
+              <a:t>5/1/2021</a:t>
             </a:fld>
             <a:endParaRPr lang="es-AR"/>
           </a:p>
@@ -2093,7 +2098,7 @@
           <a:p>
             <a:fld id="{DFD6F003-9156-4CEF-8C21-852BD1CE6652}" type="datetimeFigureOut">
               <a:rPr lang="es-AR" smtClean="0"/>
-              <a:t>30/12/2020</a:t>
+              <a:t>5/1/2021</a:t>
             </a:fld>
             <a:endParaRPr lang="es-AR"/>
           </a:p>
@@ -2346,7 +2351,7 @@
           <a:p>
             <a:fld id="{DFD6F003-9156-4CEF-8C21-852BD1CE6652}" type="datetimeFigureOut">
               <a:rPr lang="es-AR" smtClean="0"/>
-              <a:t>30/12/2020</a:t>
+              <a:t>5/1/2021</a:t>
             </a:fld>
             <a:endParaRPr lang="es-AR"/>
           </a:p>
@@ -2559,7 +2564,7 @@
           <a:p>
             <a:fld id="{DFD6F003-9156-4CEF-8C21-852BD1CE6652}" type="datetimeFigureOut">
               <a:rPr lang="es-AR" smtClean="0"/>
-              <a:t>30/12/2020</a:t>
+              <a:t>5/1/2021</a:t>
             </a:fld>
             <a:endParaRPr lang="es-AR"/>
           </a:p>
@@ -3222,6 +3227,178 @@
           </a:p>
         </p:txBody>
       </p:sp>
+      <p:sp>
+        <p:nvSpPr>
+          <p:cNvPr id="10" name="TextBox 9"/>
+          <p:cNvSpPr txBox="1"/>
+          <p:nvPr/>
+        </p:nvSpPr>
+        <p:spPr>
+          <a:xfrm>
+            <a:off x="5636525" y="1599483"/>
+            <a:ext cx="1694597" cy="369332"/>
+          </a:xfrm>
+          <a:prstGeom prst="rect">
+            <a:avLst/>
+          </a:prstGeom>
+          <a:noFill/>
+        </p:spPr>
+        <p:txBody>
+          <a:bodyPr wrap="square" rtlCol="0">
+            <a:spAutoFit/>
+          </a:bodyPr>
+          <a:lstStyle/>
+          <a:p>
+            <a:r>
+              <a:rPr lang="es-ES" dirty="0" smtClean="0"/>
+              <a:t>1.99,0.17</a:t>
+            </a:r>
+            <a:endParaRPr lang="es-AR" dirty="0"/>
+          </a:p>
+        </p:txBody>
+      </p:sp>
+      <p:sp>
+        <p:nvSpPr>
+          <p:cNvPr id="15" name="TextBox 14"/>
+          <p:cNvSpPr txBox="1"/>
+          <p:nvPr/>
+        </p:nvSpPr>
+        <p:spPr>
+          <a:xfrm>
+            <a:off x="1509214" y="1862918"/>
+            <a:ext cx="1694597" cy="369332"/>
+          </a:xfrm>
+          <a:prstGeom prst="rect">
+            <a:avLst/>
+          </a:prstGeom>
+          <a:noFill/>
+        </p:spPr>
+        <p:txBody>
+          <a:bodyPr wrap="square" rtlCol="0">
+            <a:spAutoFit/>
+          </a:bodyPr>
+          <a:lstStyle/>
+          <a:p>
+            <a:r>
+              <a:rPr lang="es-ES" dirty="0" smtClean="0"/>
+              <a:t>1.99,0.08</a:t>
+            </a:r>
+            <a:endParaRPr lang="es-AR" dirty="0"/>
+          </a:p>
+        </p:txBody>
+      </p:sp>
+      <p:sp>
+        <p:nvSpPr>
+          <p:cNvPr id="3" name="Rectangle 2"/>
+          <p:cNvSpPr/>
+          <p:nvPr/>
+        </p:nvSpPr>
+        <p:spPr>
+          <a:xfrm>
+            <a:off x="387823" y="4634384"/>
+            <a:ext cx="6096000" cy="923330"/>
+          </a:xfrm>
+          <a:prstGeom prst="rect">
+            <a:avLst/>
+          </a:prstGeom>
+        </p:spPr>
+        <p:txBody>
+          <a:bodyPr>
+            <a:spAutoFit/>
+          </a:bodyPr>
+          <a:lstStyle/>
+          <a:p>
+            <a:r>
+              <a:rPr lang="es-AR" dirty="0" smtClean="0"/>
+              <a:t>J (-0,577,-0,577)</a:t>
+            </a:r>
+          </a:p>
+          <a:p>
+            <a:r>
+              <a:rPr lang="es-AR" dirty="0" smtClean="0"/>
+              <a:t>[[ </a:t>
+            </a:r>
+            <a:r>
+              <a:rPr lang="es-AR" dirty="0"/>
+              <a:t>4.98097352e-01 -2.51596746e-02]</a:t>
+            </a:r>
+          </a:p>
+          <a:p>
+            <a:r>
+              <a:rPr lang="es-AR" dirty="0"/>
+              <a:t> [ 3.64716585e-17  1.05573829e-01]]</a:t>
+            </a:r>
+          </a:p>
+        </p:txBody>
+      </p:sp>
+      <p:sp>
+        <p:nvSpPr>
+          <p:cNvPr id="4" name="Rectangle 3"/>
+          <p:cNvSpPr/>
+          <p:nvPr/>
+        </p:nvSpPr>
+        <p:spPr>
+          <a:xfrm>
+            <a:off x="5543266" y="4446517"/>
+            <a:ext cx="6096000" cy="2031325"/>
+          </a:xfrm>
+          <a:prstGeom prst="rect">
+            <a:avLst/>
+          </a:prstGeom>
+        </p:spPr>
+        <p:txBody>
+          <a:bodyPr>
+            <a:spAutoFit/>
+          </a:bodyPr>
+          <a:lstStyle/>
+          <a:p>
+            <a:r>
+              <a:rPr lang="es-AR" dirty="0" err="1"/>
+              <a:t>rg,sg</a:t>
+            </a:r>
+            <a:r>
+              <a:rPr lang="es-AR" dirty="0"/>
+              <a:t> 0.5773502691896258 0.5773502691896258</a:t>
+            </a:r>
+          </a:p>
+          <a:p>
+            <a:r>
+              <a:rPr lang="es-AR" dirty="0"/>
+              <a:t>X2 [[ 1.99238941  0.17431134]</a:t>
+            </a:r>
+          </a:p>
+          <a:p>
+            <a:r>
+              <a:rPr lang="es-AR" dirty="0"/>
+              <a:t> [ 0.9961947   0.08715567]</a:t>
+            </a:r>
+          </a:p>
+          <a:p>
+            <a:r>
+              <a:rPr lang="es-AR" dirty="0"/>
+              <a:t> [ 0.9961947  -0.08715567]</a:t>
+            </a:r>
+          </a:p>
+          <a:p>
+            <a:r>
+              <a:rPr lang="es-AR" dirty="0"/>
+              <a:t> [ 1.99238941 -0.17431134]]</a:t>
+            </a:r>
+          </a:p>
+          <a:p>
+            <a:r>
+              <a:rPr lang="es-AR" dirty="0"/>
+              <a:t>J [[4.98097352e-01 2.51596746e-02]</a:t>
+            </a:r>
+          </a:p>
+          <a:p>
+            <a:r>
+              <a:rPr lang="es-AR" dirty="0"/>
+              <a:t> [4.65838320e-17 1.55893179e-01]]</a:t>
+            </a:r>
+          </a:p>
+        </p:txBody>
+      </p:sp>
     </p:spTree>
     <p:extLst>
       <p:ext uri="{BB962C8B-B14F-4D97-AF65-F5344CB8AC3E}">
